--- a/Anglais/Présentation/EnglishPresentation.pptx
+++ b/Anglais/Présentation/EnglishPresentation.pptx
@@ -274,7 +274,7 @@
           <a:p>
             <a:fld id="{02AC24A9-CCB6-4F8D-B8DB-C2F3692CFA5A}" type="datetimeFigureOut">
               <a:rPr lang="en-US" smtClean="0"/>
-              <a:t>11/5/20</a:t>
+              <a:t>11/8/20</a:t>
             </a:fld>
             <a:endParaRPr lang="en-US" dirty="0"/>
           </a:p>
@@ -644,7 +644,7 @@
           <a:p>
             <a:fld id="{02AC24A9-CCB6-4F8D-B8DB-C2F3692CFA5A}" type="datetimeFigureOut">
               <a:rPr lang="en-US" smtClean="0"/>
-              <a:t>11/5/20</a:t>
+              <a:t>11/8/20</a:t>
             </a:fld>
             <a:endParaRPr lang="en-US"/>
           </a:p>
@@ -853,7 +853,7 @@
           <a:p>
             <a:fld id="{02AC24A9-CCB6-4F8D-B8DB-C2F3692CFA5A}" type="datetimeFigureOut">
               <a:rPr lang="en-US" smtClean="0"/>
-              <a:t>11/5/20</a:t>
+              <a:t>11/8/20</a:t>
             </a:fld>
             <a:endParaRPr lang="en-US"/>
           </a:p>
@@ -1323,7 +1323,7 @@
           <a:p>
             <a:fld id="{02AC24A9-CCB6-4F8D-B8DB-C2F3692CFA5A}" type="datetimeFigureOut">
               <a:rPr lang="en-US" smtClean="0"/>
-              <a:t>11/5/20</a:t>
+              <a:t>11/8/20</a:t>
             </a:fld>
             <a:endParaRPr lang="en-US"/>
           </a:p>
@@ -1777,7 +1777,7 @@
           <a:p>
             <a:fld id="{02AC24A9-CCB6-4F8D-B8DB-C2F3692CFA5A}" type="datetimeFigureOut">
               <a:rPr lang="en-US" smtClean="0"/>
-              <a:t>11/5/20</a:t>
+              <a:t>11/8/20</a:t>
             </a:fld>
             <a:endParaRPr lang="en-US"/>
           </a:p>
@@ -2309,7 +2309,7 @@
           <a:p>
             <a:fld id="{02AC24A9-CCB6-4F8D-B8DB-C2F3692CFA5A}" type="datetimeFigureOut">
               <a:rPr lang="en-US" smtClean="0"/>
-              <a:t>11/5/20</a:t>
+              <a:t>11/8/20</a:t>
             </a:fld>
             <a:endParaRPr lang="en-US"/>
           </a:p>
@@ -3008,7 +3008,7 @@
           <a:p>
             <a:fld id="{02AC24A9-CCB6-4F8D-B8DB-C2F3692CFA5A}" type="datetimeFigureOut">
               <a:rPr lang="en-US" smtClean="0"/>
-              <a:t>11/5/20</a:t>
+              <a:t>11/8/20</a:t>
             </a:fld>
             <a:endParaRPr lang="en-US"/>
           </a:p>
@@ -3337,7 +3337,7 @@
           <a:p>
             <a:fld id="{02AC24A9-CCB6-4F8D-B8DB-C2F3692CFA5A}" type="datetimeFigureOut">
               <a:rPr lang="en-US" smtClean="0"/>
-              <a:t>11/5/20</a:t>
+              <a:t>11/8/20</a:t>
             </a:fld>
             <a:endParaRPr lang="en-US"/>
           </a:p>
@@ -3450,7 +3450,7 @@
           <a:p>
             <a:fld id="{02AC24A9-CCB6-4F8D-B8DB-C2F3692CFA5A}" type="datetimeFigureOut">
               <a:rPr lang="en-US" smtClean="0"/>
-              <a:t>11/5/20</a:t>
+              <a:t>11/8/20</a:t>
             </a:fld>
             <a:endParaRPr lang="en-US"/>
           </a:p>
@@ -3945,7 +3945,7 @@
           <a:p>
             <a:fld id="{02AC24A9-CCB6-4F8D-B8DB-C2F3692CFA5A}" type="datetimeFigureOut">
               <a:rPr lang="en-US" smtClean="0"/>
-              <a:t>11/5/20</a:t>
+              <a:t>11/8/20</a:t>
             </a:fld>
             <a:endParaRPr lang="en-US" dirty="0"/>
           </a:p>
@@ -4422,7 +4422,7 @@
           <a:p>
             <a:fld id="{02AC24A9-CCB6-4F8D-B8DB-C2F3692CFA5A}" type="datetimeFigureOut">
               <a:rPr lang="en-US" smtClean="0"/>
-              <a:t>11/5/20</a:t>
+              <a:t>11/8/20</a:t>
             </a:fld>
             <a:endParaRPr lang="en-US"/>
           </a:p>
@@ -4665,7 +4665,7 @@
           <a:p>
             <a:fld id="{02AC24A9-CCB6-4F8D-B8DB-C2F3692CFA5A}" type="datetimeFigureOut">
               <a:rPr lang="en-US" smtClean="0"/>
-              <a:t>11/5/20</a:t>
+              <a:t>11/8/20</a:t>
             </a:fld>
             <a:endParaRPr lang="en-US"/>
           </a:p>
@@ -6845,82 +6845,13 @@
             </a:r>
             <a:r>
               <a:rPr lang="fr-FR" sz="1400" dirty="0"/>
-              <a:t>. If </a:t>
-            </a:r>
-            <a:r>
-              <a:rPr lang="fr-FR" sz="1400" dirty="0" err="1"/>
-              <a:t>you</a:t>
-            </a:r>
-            <a:r>
-              <a:rPr lang="fr-FR" sz="1400" dirty="0"/>
-              <a:t> put </a:t>
-            </a:r>
-            <a:r>
-              <a:rPr lang="fr-FR" sz="1400" dirty="0" err="1"/>
-              <a:t>them</a:t>
-            </a:r>
-            <a:r>
-              <a:rPr lang="fr-FR" sz="1400" dirty="0"/>
-              <a:t> on </a:t>
-            </a:r>
-            <a:r>
-              <a:rPr lang="fr-FR" sz="1400" dirty="0" err="1"/>
-              <a:t>when</a:t>
-            </a:r>
-            <a:r>
-              <a:rPr lang="fr-FR" sz="1400" dirty="0"/>
-              <a:t> </a:t>
-            </a:r>
-            <a:r>
-              <a:rPr lang="fr-FR" sz="1400" dirty="0" err="1"/>
-              <a:t>they’re</a:t>
-            </a:r>
-            <a:r>
-              <a:rPr lang="fr-FR" sz="1400" dirty="0"/>
-              <a:t> off, </a:t>
-            </a:r>
-            <a:r>
-              <a:rPr lang="fr-FR" sz="1400" dirty="0" err="1"/>
-              <a:t>you</a:t>
-            </a:r>
-            <a:r>
-              <a:rPr lang="fr-FR" sz="1400" dirty="0"/>
-              <a:t> </a:t>
-            </a:r>
-            <a:r>
-              <a:rPr lang="fr-FR" sz="1400" dirty="0" err="1"/>
-              <a:t>might</a:t>
-            </a:r>
-            <a:r>
-              <a:rPr lang="fr-FR" sz="1400" dirty="0"/>
-              <a:t> </a:t>
-            </a:r>
-            <a:r>
-              <a:rPr lang="fr-FR" sz="1400" dirty="0" err="1"/>
-              <a:t>think</a:t>
-            </a:r>
-            <a:r>
-              <a:rPr lang="fr-FR" sz="1400" dirty="0"/>
-              <a:t> </a:t>
-            </a:r>
-            <a:r>
-              <a:rPr lang="fr-FR" sz="1400" dirty="0" err="1"/>
-              <a:t>you’re</a:t>
-            </a:r>
-            <a:r>
-              <a:rPr lang="fr-FR" sz="1400" dirty="0"/>
-              <a:t> </a:t>
-            </a:r>
-            <a:r>
-              <a:rPr lang="fr-FR" sz="1400" dirty="0" err="1"/>
-              <a:t>blindfolded</a:t>
-            </a:r>
-            <a:r>
-              <a:rPr lang="fr-FR" sz="1400" dirty="0"/>
-              <a:t>.</a:t>
-            </a:r>
-          </a:p>
-          <a:p>
+              <a:t>. </a:t>
+            </a:r>
+          </a:p>
+          <a:p>
+            <a:pPr marL="0" indent="0">
+              <a:buNone/>
+            </a:pPr>
             <a:endParaRPr lang="fr-FR" sz="1400" dirty="0"/>
           </a:p>
           <a:p>
@@ -7351,146 +7282,7 @@
               <a:rPr lang="fr-FR" sz="1400" dirty="0" err="1"/>
               <a:t>game</a:t>
             </a:r>
-            <a:r>
-              <a:rPr lang="fr-FR" sz="1400" dirty="0"/>
-              <a:t>, </a:t>
-            </a:r>
-            <a:r>
-              <a:rPr lang="fr-FR" sz="1400" dirty="0" err="1"/>
-              <a:t>which</a:t>
-            </a:r>
-            <a:r>
-              <a:rPr lang="fr-FR" sz="1400" dirty="0"/>
-              <a:t> use </a:t>
-            </a:r>
-            <a:r>
-              <a:rPr lang="fr-FR" sz="1400" dirty="0" err="1"/>
-              <a:t>your</a:t>
-            </a:r>
-            <a:r>
-              <a:rPr lang="fr-FR" sz="1400" dirty="0"/>
-              <a:t> </a:t>
-            </a:r>
-            <a:r>
-              <a:rPr lang="fr-FR" sz="1400" dirty="0" err="1"/>
-              <a:t>phone's</a:t>
-            </a:r>
-            <a:r>
-              <a:rPr lang="fr-FR" sz="1400" dirty="0"/>
-              <a:t> camera to </a:t>
-            </a:r>
-            <a:r>
-              <a:rPr lang="fr-FR" sz="1400" dirty="0" err="1"/>
-              <a:t>track</a:t>
-            </a:r>
-            <a:r>
-              <a:rPr lang="fr-FR" sz="1400" dirty="0"/>
-              <a:t> </a:t>
-            </a:r>
-            <a:r>
-              <a:rPr lang="fr-FR" sz="1400" dirty="0" err="1"/>
-              <a:t>your</a:t>
-            </a:r>
-            <a:r>
-              <a:rPr lang="fr-FR" sz="1400" dirty="0"/>
-              <a:t> </a:t>
-            </a:r>
-            <a:r>
-              <a:rPr lang="fr-FR" sz="1400" dirty="0" err="1"/>
-              <a:t>surroundings</a:t>
-            </a:r>
-            <a:r>
-              <a:rPr lang="fr-FR" sz="1400" dirty="0"/>
-              <a:t> and overlay </a:t>
-            </a:r>
-            <a:r>
-              <a:rPr lang="fr-FR" sz="1400" dirty="0" err="1"/>
-              <a:t>additional</a:t>
-            </a:r>
-            <a:r>
-              <a:rPr lang="fr-FR" sz="1400" dirty="0"/>
-              <a:t> information on top of </a:t>
-            </a:r>
-            <a:r>
-              <a:rPr lang="fr-FR" sz="1400" dirty="0" err="1"/>
-              <a:t>it</a:t>
-            </a:r>
-            <a:r>
-              <a:rPr lang="fr-FR" sz="1400" dirty="0"/>
-              <a:t>, on the </a:t>
-            </a:r>
-            <a:r>
-              <a:rPr lang="fr-FR" sz="1400" dirty="0" err="1"/>
-              <a:t>screen</a:t>
-            </a:r>
-            <a:r>
-              <a:rPr lang="fr-FR" sz="1400" dirty="0"/>
-              <a:t>. </a:t>
-            </a:r>
-            <a:r>
-              <a:rPr lang="fr-FR" sz="1400" dirty="0" err="1"/>
-              <a:t>Pokemon</a:t>
-            </a:r>
-            <a:r>
-              <a:rPr lang="fr-FR" sz="1400" dirty="0"/>
-              <a:t> Go </a:t>
-            </a:r>
-            <a:r>
-              <a:rPr lang="fr-FR" sz="1400" dirty="0" err="1"/>
-              <a:t>projects</a:t>
-            </a:r>
-            <a:r>
-              <a:rPr lang="fr-FR" sz="1400" dirty="0"/>
-              <a:t> a </a:t>
-            </a:r>
-            <a:r>
-              <a:rPr lang="fr-FR" sz="1400" dirty="0" err="1"/>
-              <a:t>Pokemon</a:t>
-            </a:r>
-            <a:r>
-              <a:rPr lang="fr-FR" sz="1400" dirty="0"/>
-              <a:t> on </a:t>
-            </a:r>
-            <a:r>
-              <a:rPr lang="fr-FR" sz="1400" dirty="0" err="1"/>
-              <a:t>your</a:t>
-            </a:r>
-            <a:r>
-              <a:rPr lang="fr-FR" sz="1400" dirty="0"/>
-              <a:t> </a:t>
-            </a:r>
-            <a:r>
-              <a:rPr lang="fr-FR" sz="1400" dirty="0" err="1"/>
-              <a:t>screen</a:t>
-            </a:r>
-            <a:r>
-              <a:rPr lang="fr-FR" sz="1400" dirty="0"/>
-              <a:t>, on top of </a:t>
-            </a:r>
-            <a:r>
-              <a:rPr lang="fr-FR" sz="1400" dirty="0" err="1"/>
-              <a:t>whatever</a:t>
-            </a:r>
-            <a:r>
-              <a:rPr lang="fr-FR" sz="1400" dirty="0"/>
-              <a:t> the camera </a:t>
-            </a:r>
-            <a:r>
-              <a:rPr lang="fr-FR" sz="1400" dirty="0" err="1"/>
-              <a:t>is</a:t>
-            </a:r>
-            <a:r>
-              <a:rPr lang="fr-FR" sz="1400" dirty="0"/>
-              <a:t> </a:t>
-            </a:r>
-            <a:r>
-              <a:rPr lang="fr-FR" sz="1400" dirty="0" err="1"/>
-              <a:t>looking</a:t>
-            </a:r>
-            <a:r>
-              <a:rPr lang="fr-FR" sz="1400" dirty="0"/>
-              <a:t> at</a:t>
-            </a:r>
+            <a:endParaRPr lang="fr-FR" sz="1400" dirty="0"/>
           </a:p>
         </p:txBody>
       </p:sp>
@@ -7891,130 +7683,7 @@
               <a:rPr lang="fr-FR" sz="1400" dirty="0" err="1"/>
               <a:t>injury</a:t>
             </a:r>
-            <a:r>
-              <a:rPr lang="fr-FR" sz="1400" dirty="0"/>
-              <a:t>. </a:t>
-            </a:r>
-            <a:r>
-              <a:rPr lang="fr-FR" sz="1400" dirty="0" err="1"/>
-              <a:t>Either</a:t>
-            </a:r>
-            <a:r>
-              <a:rPr lang="fr-FR" sz="1400" dirty="0"/>
-              <a:t> </a:t>
-            </a:r>
-            <a:r>
-              <a:rPr lang="fr-FR" sz="1400" dirty="0" err="1"/>
-              <a:t>could</a:t>
-            </a:r>
-            <a:r>
-              <a:rPr lang="fr-FR" sz="1400" dirty="0"/>
-              <a:t> </a:t>
-            </a:r>
-            <a:r>
-              <a:rPr lang="fr-FR" sz="1400" dirty="0" err="1"/>
-              <a:t>be</a:t>
-            </a:r>
-            <a:r>
-              <a:rPr lang="fr-FR" sz="1400" dirty="0"/>
-              <a:t> </a:t>
-            </a:r>
-            <a:r>
-              <a:rPr lang="fr-FR" sz="1400" dirty="0" err="1"/>
-              <a:t>used</a:t>
-            </a:r>
-            <a:r>
-              <a:rPr lang="fr-FR" sz="1400" dirty="0"/>
-              <a:t> to train </a:t>
-            </a:r>
-            <a:r>
-              <a:rPr lang="fr-FR" sz="1400" dirty="0" err="1"/>
-              <a:t>doctors</a:t>
-            </a:r>
-            <a:r>
-              <a:rPr lang="fr-FR" sz="1400" dirty="0"/>
-              <a:t> to do </a:t>
-            </a:r>
-            <a:r>
-              <a:rPr lang="fr-FR" sz="1400" dirty="0" err="1"/>
-              <a:t>surgery</a:t>
-            </a:r>
-            <a:r>
-              <a:rPr lang="fr-FR" sz="1400" dirty="0"/>
-              <a:t>, </a:t>
-            </a:r>
-            <a:r>
-              <a:rPr lang="fr-FR" sz="1400" dirty="0" err="1"/>
-              <a:t>offer</a:t>
-            </a:r>
-            <a:r>
-              <a:rPr lang="fr-FR" sz="1400" dirty="0"/>
-              <a:t> </a:t>
-            </a:r>
-            <a:r>
-              <a:rPr lang="fr-FR" sz="1400" dirty="0" err="1"/>
-              <a:t>museum-goers</a:t>
-            </a:r>
-            <a:r>
-              <a:rPr lang="fr-FR" sz="1400" dirty="0"/>
-              <a:t> a </a:t>
-            </a:r>
-            <a:r>
-              <a:rPr lang="fr-FR" sz="1400" dirty="0" err="1"/>
-              <a:t>deeper</a:t>
-            </a:r>
-            <a:r>
-              <a:rPr lang="fr-FR" sz="1400" dirty="0"/>
-              <a:t> </a:t>
-            </a:r>
-            <a:r>
-              <a:rPr lang="fr-FR" sz="1400" dirty="0" err="1"/>
-              <a:t>experience</a:t>
-            </a:r>
-            <a:r>
-              <a:rPr lang="fr-FR" sz="1400" dirty="0"/>
-              <a:t>, </a:t>
-            </a:r>
-            <a:r>
-              <a:rPr lang="fr-FR" sz="1400" dirty="0" err="1"/>
-              <a:t>enhance</a:t>
-            </a:r>
-            <a:r>
-              <a:rPr lang="fr-FR" sz="1400" dirty="0"/>
-              <a:t> </a:t>
-            </a:r>
-            <a:r>
-              <a:rPr lang="fr-FR" sz="1400" dirty="0" err="1"/>
-              <a:t>theme</a:t>
-            </a:r>
-            <a:r>
-              <a:rPr lang="fr-FR" sz="1400" dirty="0"/>
-              <a:t> </a:t>
-            </a:r>
-            <a:r>
-              <a:rPr lang="fr-FR" sz="1400" dirty="0" err="1"/>
-              <a:t>parks</a:t>
-            </a:r>
-            <a:r>
-              <a:rPr lang="fr-FR" sz="1400" dirty="0"/>
-              <a:t>, or </a:t>
-            </a:r>
-            <a:r>
-              <a:rPr lang="fr-FR" sz="1400" dirty="0" err="1"/>
-              <a:t>even</a:t>
-            </a:r>
-            <a:r>
-              <a:rPr lang="fr-FR" sz="1400" dirty="0"/>
-              <a:t> </a:t>
-            </a:r>
-            <a:r>
-              <a:rPr lang="fr-FR" sz="1400" dirty="0" err="1"/>
-              <a:t>enhance</a:t>
-            </a:r>
-            <a:r>
-              <a:rPr lang="fr-FR" sz="1400" dirty="0"/>
-              <a:t> marketing</a:t>
-            </a:r>
+            <a:endParaRPr lang="fr-FR" sz="1400" dirty="0"/>
           </a:p>
         </p:txBody>
       </p:sp>
@@ -8182,44 +7851,12 @@
               <a:rPr lang="fr-FR" sz="1400" dirty="0" err="1"/>
               <a:t>ways</a:t>
             </a:r>
-            <a:r>
-              <a:rPr lang="fr-FR" sz="1400" dirty="0"/>
-              <a:t>, </a:t>
-            </a:r>
-            <a:r>
-              <a:rPr lang="fr-FR" sz="1400" dirty="0" err="1"/>
-              <a:t>despite</a:t>
-            </a:r>
-            <a:r>
-              <a:rPr lang="fr-FR" sz="1400" dirty="0"/>
-              <a:t> the </a:t>
-            </a:r>
-            <a:r>
-              <a:rPr lang="fr-FR" sz="1400" dirty="0" err="1"/>
-              <a:t>similar</a:t>
-            </a:r>
-            <a:r>
-              <a:rPr lang="fr-FR" sz="1400" dirty="0"/>
-              <a:t> designs of the </a:t>
-            </a:r>
-            <a:r>
-              <a:rPr lang="fr-FR" sz="1400" dirty="0" err="1"/>
-              <a:t>devices</a:t>
-            </a:r>
-            <a:r>
-              <a:rPr lang="fr-FR" sz="1400" dirty="0"/>
-              <a:t> </a:t>
-            </a:r>
-            <a:r>
-              <a:rPr lang="fr-FR" sz="1400" dirty="0" err="1"/>
-              <a:t>themselves</a:t>
-            </a:r>
-            <a:r>
-              <a:rPr lang="fr-FR" sz="1400" dirty="0"/>
-              <a:t>. </a:t>
-            </a:r>
-          </a:p>
-          <a:p>
+            <a:endParaRPr lang="fr-FR" sz="1400" dirty="0"/>
+          </a:p>
+          <a:p>
+            <a:pPr marL="0" indent="0">
+              <a:buNone/>
+            </a:pPr>
             <a:endParaRPr lang="fr-FR" sz="1400" dirty="0"/>
           </a:p>
           <a:p>
